--- a/以太坊教程/课件/4_3_EVM简介.pptx
+++ b/以太坊教程/课件/4_3_EVM简介.pptx
@@ -202,7 +202,7 @@
           <a:p>
             <a:fld id="{31A2A103-01E9-406E-AEF1-210DF53BAA37}" type="datetimeFigureOut">
               <a:rPr lang="zh-CN" altLang="en-US" smtClean="0"/>
-              <a:t>2018/10/24</a:t>
+              <a:t>2018/11/28</a:t>
             </a:fld>
             <a:endParaRPr lang="zh-CN" altLang="en-US"/>
           </a:p>
@@ -1681,7 +1681,7 @@
           <a:p>
             <a:fld id="{530820CF-B880-4189-942D-D702A7CBA730}" type="datetimeFigureOut">
               <a:rPr lang="zh-CN" altLang="en-US" smtClean="0"/>
-              <a:t>2018/10/24</a:t>
+              <a:t>2018/11/28</a:t>
             </a:fld>
             <a:endParaRPr lang="zh-CN" altLang="en-US"/>
           </a:p>
@@ -1846,7 +1846,7 @@
           <a:p>
             <a:fld id="{530820CF-B880-4189-942D-D702A7CBA730}" type="datetimeFigureOut">
               <a:rPr lang="zh-CN" altLang="en-US" smtClean="0"/>
-              <a:t>2018/10/24</a:t>
+              <a:t>2018/11/28</a:t>
             </a:fld>
             <a:endParaRPr lang="zh-CN" altLang="en-US"/>
           </a:p>
@@ -2021,7 +2021,7 @@
           <a:p>
             <a:fld id="{530820CF-B880-4189-942D-D702A7CBA730}" type="datetimeFigureOut">
               <a:rPr lang="zh-CN" altLang="en-US" smtClean="0"/>
-              <a:t>2018/10/24</a:t>
+              <a:t>2018/11/28</a:t>
             </a:fld>
             <a:endParaRPr lang="zh-CN" altLang="en-US"/>
           </a:p>
@@ -2186,7 +2186,7 @@
           <a:p>
             <a:fld id="{530820CF-B880-4189-942D-D702A7CBA730}" type="datetimeFigureOut">
               <a:rPr lang="zh-CN" altLang="en-US" smtClean="0"/>
-              <a:t>2018/10/24</a:t>
+              <a:t>2018/11/28</a:t>
             </a:fld>
             <a:endParaRPr lang="zh-CN" altLang="en-US"/>
           </a:p>
@@ -2427,7 +2427,7 @@
           <a:p>
             <a:fld id="{530820CF-B880-4189-942D-D702A7CBA730}" type="datetimeFigureOut">
               <a:rPr lang="zh-CN" altLang="en-US" smtClean="0"/>
-              <a:t>2018/10/24</a:t>
+              <a:t>2018/11/28</a:t>
             </a:fld>
             <a:endParaRPr lang="zh-CN" altLang="en-US"/>
           </a:p>
@@ -2710,7 +2710,7 @@
           <a:p>
             <a:fld id="{530820CF-B880-4189-942D-D702A7CBA730}" type="datetimeFigureOut">
               <a:rPr lang="zh-CN" altLang="en-US" smtClean="0"/>
-              <a:t>2018/10/24</a:t>
+              <a:t>2018/11/28</a:t>
             </a:fld>
             <a:endParaRPr lang="zh-CN" altLang="en-US"/>
           </a:p>
@@ -3127,7 +3127,7 @@
           <a:p>
             <a:fld id="{530820CF-B880-4189-942D-D702A7CBA730}" type="datetimeFigureOut">
               <a:rPr lang="zh-CN" altLang="en-US" smtClean="0"/>
-              <a:t>2018/10/24</a:t>
+              <a:t>2018/11/28</a:t>
             </a:fld>
             <a:endParaRPr lang="zh-CN" altLang="en-US"/>
           </a:p>
@@ -3240,7 +3240,7 @@
           <a:p>
             <a:fld id="{530820CF-B880-4189-942D-D702A7CBA730}" type="datetimeFigureOut">
               <a:rPr lang="zh-CN" altLang="en-US" smtClean="0"/>
-              <a:t>2018/10/24</a:t>
+              <a:t>2018/11/28</a:t>
             </a:fld>
             <a:endParaRPr lang="zh-CN" altLang="en-US"/>
           </a:p>
@@ -3330,7 +3330,7 @@
           <a:p>
             <a:fld id="{530820CF-B880-4189-942D-D702A7CBA730}" type="datetimeFigureOut">
               <a:rPr lang="zh-CN" altLang="en-US" smtClean="0"/>
-              <a:t>2018/10/24</a:t>
+              <a:t>2018/11/28</a:t>
             </a:fld>
             <a:endParaRPr lang="zh-CN" altLang="en-US"/>
           </a:p>
@@ -3602,7 +3602,7 @@
           <a:p>
             <a:fld id="{530820CF-B880-4189-942D-D702A7CBA730}" type="datetimeFigureOut">
               <a:rPr lang="zh-CN" altLang="en-US" smtClean="0"/>
-              <a:t>2018/10/24</a:t>
+              <a:t>2018/11/28</a:t>
             </a:fld>
             <a:endParaRPr lang="zh-CN" altLang="en-US"/>
           </a:p>
@@ -3850,7 +3850,7 @@
           <a:p>
             <a:fld id="{530820CF-B880-4189-942D-D702A7CBA730}" type="datetimeFigureOut">
               <a:rPr lang="zh-CN" altLang="en-US" smtClean="0"/>
-              <a:t>2018/10/24</a:t>
+              <a:t>2018/11/28</a:t>
             </a:fld>
             <a:endParaRPr lang="zh-CN" altLang="en-US"/>
           </a:p>
@@ -3910,9 +3910,18 @@
 <p:sldMaster xmlns:a="http://schemas.openxmlformats.org/drawingml/2006/main" xmlns:r="http://schemas.openxmlformats.org/officeDocument/2006/relationships" xmlns:p="http://schemas.openxmlformats.org/presentationml/2006/main">
   <p:cSld>
     <p:bg>
-      <p:bgRef idx="1001">
-        <a:schemeClr val="bg1"/>
-      </p:bgRef>
+      <p:bgPr>
+        <a:blipFill dpi="0" rotWithShape="1">
+          <a:blip r:embed="rId13">
+            <a:lum/>
+          </a:blip>
+          <a:srcRect/>
+          <a:stretch>
+            <a:fillRect/>
+          </a:stretch>
+        </a:blipFill>
+        <a:effectLst/>
+      </p:bgPr>
     </p:bg>
     <p:spTree>
       <p:nvGrpSpPr>
@@ -4058,7 +4067,7 @@
           <a:p>
             <a:fld id="{530820CF-B880-4189-942D-D702A7CBA730}" type="datetimeFigureOut">
               <a:rPr lang="zh-CN" altLang="en-US" smtClean="0"/>
-              <a:t>2018/10/24</a:t>
+              <a:t>2018/11/28</a:t>
             </a:fld>
             <a:endParaRPr lang="zh-CN" altLang="en-US"/>
           </a:p>
@@ -4560,7 +4569,12 @@
             <p:ph type="title"/>
           </p:nvPr>
         </p:nvSpPr>
-        <p:spPr/>
+        <p:spPr>
+          <a:xfrm>
+            <a:off x="457200" y="485800"/>
+            <a:ext cx="8229600" cy="1143000"/>
+          </a:xfrm>
+        </p:spPr>
         <p:txBody>
           <a:bodyPr>
             <a:normAutofit/>
@@ -4569,10 +4583,10 @@
           <a:p>
             <a:pPr algn="l"/>
             <a:r>
-              <a:rPr lang="zh-CN" altLang="en-US" dirty="0" smtClean="0"/>
+              <a:rPr lang="zh-CN" altLang="en-US" sz="3600" dirty="0" smtClean="0"/>
               <a:t>  合约的创建和自毁</a:t>
             </a:r>
-            <a:endParaRPr lang="zh-CN" altLang="en-US" dirty="0"/>
+            <a:endParaRPr lang="zh-CN" altLang="en-US" sz="3600" dirty="0"/>
           </a:p>
         </p:txBody>
       </p:sp>
@@ -4797,34 +4811,41 @@
             <p:ph type="title"/>
           </p:nvPr>
         </p:nvSpPr>
-        <p:spPr/>
-        <p:txBody>
-          <a:bodyPr/>
+        <p:spPr>
+          <a:xfrm>
+            <a:off x="457200" y="404664"/>
+            <a:ext cx="8229600" cy="1143000"/>
+          </a:xfrm>
+        </p:spPr>
+        <p:txBody>
+          <a:bodyPr>
+            <a:normAutofit/>
+          </a:bodyPr>
           <a:lstStyle/>
           <a:p>
             <a:pPr algn="l"/>
             <a:r>
-              <a:rPr lang="zh-CN" altLang="en-US" dirty="0" smtClean="0">
+              <a:rPr lang="zh-CN" altLang="en-US" sz="3600" dirty="0" smtClean="0">
                 <a:latin typeface="微软雅黑 Light" pitchFamily="34" charset="-122"/>
                 <a:ea typeface="微软雅黑 Light" pitchFamily="34" charset="-122"/>
               </a:rPr>
               <a:t>  以太坊虚拟机（</a:t>
             </a:r>
             <a:r>
-              <a:rPr lang="en-US" altLang="zh-CN" dirty="0" smtClean="0">
+              <a:rPr lang="en-US" altLang="zh-CN" sz="3600" dirty="0" smtClean="0">
                 <a:latin typeface="微软雅黑 Light" pitchFamily="34" charset="-122"/>
                 <a:ea typeface="微软雅黑 Light" pitchFamily="34" charset="-122"/>
               </a:rPr>
               <a:t>EVM</a:t>
             </a:r>
             <a:r>
-              <a:rPr lang="zh-CN" altLang="en-US" dirty="0" smtClean="0">
+              <a:rPr lang="zh-CN" altLang="en-US" sz="3600" dirty="0" smtClean="0">
                 <a:latin typeface="微软雅黑 Light" pitchFamily="34" charset="-122"/>
                 <a:ea typeface="微软雅黑 Light" pitchFamily="34" charset="-122"/>
               </a:rPr>
               <a:t>）</a:t>
             </a:r>
-            <a:endParaRPr lang="zh-CN" altLang="en-US" dirty="0">
+            <a:endParaRPr lang="zh-CN" altLang="en-US" sz="3600" dirty="0">
               <a:latin typeface="微软雅黑 Light" pitchFamily="34" charset="-122"/>
               <a:ea typeface="微软雅黑 Light" pitchFamily="34" charset="-122"/>
             </a:endParaRPr>
@@ -5105,27 +5126,34 @@
             <p:ph type="title"/>
           </p:nvPr>
         </p:nvSpPr>
-        <p:spPr/>
-        <p:txBody>
-          <a:bodyPr/>
+        <p:spPr>
+          <a:xfrm>
+            <a:off x="457200" y="485800"/>
+            <a:ext cx="8229600" cy="1143000"/>
+          </a:xfrm>
+        </p:spPr>
+        <p:txBody>
+          <a:bodyPr>
+            <a:normAutofit/>
+          </a:bodyPr>
           <a:lstStyle/>
           <a:p>
             <a:pPr algn="l"/>
             <a:r>
-              <a:rPr lang="en-US" altLang="zh-CN" dirty="0" smtClean="0">
+              <a:rPr lang="en-US" altLang="zh-CN" sz="3600" dirty="0" smtClean="0">
                 <a:latin typeface="微软雅黑 Light" pitchFamily="34" charset="-122"/>
                 <a:ea typeface="微软雅黑 Light" pitchFamily="34" charset="-122"/>
               </a:rPr>
               <a:t>  EVM</a:t>
             </a:r>
             <a:r>
-              <a:rPr lang="zh-CN" altLang="en-US" dirty="0" smtClean="0">
+              <a:rPr lang="zh-CN" altLang="en-US" sz="3600" dirty="0" smtClean="0">
                 <a:latin typeface="微软雅黑 Light" pitchFamily="34" charset="-122"/>
                 <a:ea typeface="微软雅黑 Light" pitchFamily="34" charset="-122"/>
               </a:rPr>
               <a:t>和账户</a:t>
             </a:r>
-            <a:endParaRPr lang="zh-CN" altLang="en-US" dirty="0"/>
+            <a:endParaRPr lang="zh-CN" altLang="en-US" sz="3600" dirty="0"/>
           </a:p>
         </p:txBody>
       </p:sp>
@@ -5347,27 +5375,34 @@
             <p:ph type="title"/>
           </p:nvPr>
         </p:nvSpPr>
-        <p:spPr/>
-        <p:txBody>
-          <a:bodyPr/>
+        <p:spPr>
+          <a:xfrm>
+            <a:off x="457200" y="485800"/>
+            <a:ext cx="8229600" cy="1143000"/>
+          </a:xfrm>
+        </p:spPr>
+        <p:txBody>
+          <a:bodyPr>
+            <a:normAutofit/>
+          </a:bodyPr>
           <a:lstStyle/>
           <a:p>
             <a:pPr algn="l"/>
             <a:r>
-              <a:rPr lang="en-US" altLang="zh-CN" dirty="0" smtClean="0">
+              <a:rPr lang="en-US" altLang="zh-CN" sz="3600" dirty="0" smtClean="0">
                 <a:latin typeface="微软雅黑 Light" pitchFamily="34" charset="-122"/>
                 <a:ea typeface="微软雅黑 Light" pitchFamily="34" charset="-122"/>
               </a:rPr>
               <a:t>  EVM</a:t>
             </a:r>
             <a:r>
-              <a:rPr lang="zh-CN" altLang="en-US" dirty="0" smtClean="0">
+              <a:rPr lang="zh-CN" altLang="en-US" sz="3600" dirty="0" smtClean="0">
                 <a:latin typeface="微软雅黑 Light" pitchFamily="34" charset="-122"/>
                 <a:ea typeface="微软雅黑 Light" pitchFamily="34" charset="-122"/>
               </a:rPr>
               <a:t>和交易</a:t>
             </a:r>
-            <a:endParaRPr lang="zh-CN" altLang="en-US" dirty="0"/>
+            <a:endParaRPr lang="zh-CN" altLang="en-US" sz="3600" dirty="0"/>
           </a:p>
         </p:txBody>
       </p:sp>
@@ -5568,34 +5603,41 @@
             <p:ph type="title"/>
           </p:nvPr>
         </p:nvSpPr>
-        <p:spPr/>
-        <p:txBody>
-          <a:bodyPr/>
+        <p:spPr>
+          <a:xfrm>
+            <a:off x="457200" y="485800"/>
+            <a:ext cx="8229600" cy="1143000"/>
+          </a:xfrm>
+        </p:spPr>
+        <p:txBody>
+          <a:bodyPr>
+            <a:normAutofit/>
+          </a:bodyPr>
           <a:lstStyle/>
           <a:p>
             <a:pPr algn="l"/>
             <a:r>
-              <a:rPr lang="en-US" altLang="zh-CN" dirty="0" smtClean="0">
+              <a:rPr lang="en-US" altLang="zh-CN" sz="3600" dirty="0" smtClean="0">
                 <a:latin typeface="微软雅黑 Light" pitchFamily="34" charset="-122"/>
                 <a:ea typeface="微软雅黑 Light" pitchFamily="34" charset="-122"/>
               </a:rPr>
               <a:t>  EVM</a:t>
             </a:r>
             <a:r>
-              <a:rPr lang="zh-CN" altLang="en-US" dirty="0" smtClean="0">
+              <a:rPr lang="zh-CN" altLang="en-US" sz="3600" dirty="0" smtClean="0">
                 <a:latin typeface="微软雅黑 Light" pitchFamily="34" charset="-122"/>
                 <a:ea typeface="微软雅黑 Light" pitchFamily="34" charset="-122"/>
               </a:rPr>
               <a:t>和</a:t>
             </a:r>
             <a:r>
-              <a:rPr lang="en-US" altLang="zh-CN" dirty="0" smtClean="0">
+              <a:rPr lang="en-US" altLang="zh-CN" sz="3600" dirty="0" smtClean="0">
                 <a:latin typeface="微软雅黑 Light" pitchFamily="34" charset="-122"/>
                 <a:ea typeface="微软雅黑 Light" pitchFamily="34" charset="-122"/>
               </a:rPr>
               <a:t>gas</a:t>
             </a:r>
-            <a:endParaRPr lang="zh-CN" altLang="en-US" dirty="0"/>
+            <a:endParaRPr lang="zh-CN" altLang="en-US" sz="3600" dirty="0"/>
           </a:p>
         </p:txBody>
       </p:sp>
@@ -5849,34 +5891,41 @@
             <p:ph type="title"/>
           </p:nvPr>
         </p:nvSpPr>
-        <p:spPr/>
-        <p:txBody>
-          <a:bodyPr/>
+        <p:spPr>
+          <a:xfrm>
+            <a:off x="457200" y="404664"/>
+            <a:ext cx="8229600" cy="1143000"/>
+          </a:xfrm>
+        </p:spPr>
+        <p:txBody>
+          <a:bodyPr>
+            <a:normAutofit/>
+          </a:bodyPr>
           <a:lstStyle/>
           <a:p>
             <a:pPr algn="l"/>
             <a:r>
-              <a:rPr lang="en-US" altLang="zh-CN" dirty="0" smtClean="0">
+              <a:rPr lang="en-US" altLang="zh-CN" sz="3600" dirty="0" smtClean="0">
                 <a:latin typeface="微软雅黑 Light" pitchFamily="34" charset="-122"/>
                 <a:ea typeface="微软雅黑 Light" pitchFamily="34" charset="-122"/>
               </a:rPr>
               <a:t>EVM</a:t>
             </a:r>
             <a:r>
-              <a:rPr lang="zh-CN" altLang="en-US" dirty="0" smtClean="0">
+              <a:rPr lang="zh-CN" altLang="en-US" sz="3600" dirty="0" smtClean="0">
                 <a:latin typeface="微软雅黑 Light" pitchFamily="34" charset="-122"/>
                 <a:ea typeface="微软雅黑 Light" pitchFamily="34" charset="-122"/>
               </a:rPr>
               <a:t>数据</a:t>
             </a:r>
             <a:r>
-              <a:rPr lang="zh-CN" altLang="en-US" dirty="0">
+              <a:rPr lang="zh-CN" altLang="en-US" sz="3600" dirty="0">
                 <a:latin typeface="微软雅黑 Light" pitchFamily="34" charset="-122"/>
                 <a:ea typeface="微软雅黑 Light" pitchFamily="34" charset="-122"/>
               </a:rPr>
               <a:t>存储</a:t>
             </a:r>
-            <a:endParaRPr lang="zh-CN" altLang="en-US" dirty="0"/>
+            <a:endParaRPr lang="zh-CN" altLang="en-US" sz="3600" dirty="0"/>
           </a:p>
         </p:txBody>
       </p:sp>
@@ -6191,27 +6240,34 @@
             <p:ph type="title"/>
           </p:nvPr>
         </p:nvSpPr>
-        <p:spPr/>
-        <p:txBody>
-          <a:bodyPr/>
+        <p:spPr>
+          <a:xfrm>
+            <a:off x="457200" y="485800"/>
+            <a:ext cx="8229600" cy="1143000"/>
+          </a:xfrm>
+        </p:spPr>
+        <p:txBody>
+          <a:bodyPr>
+            <a:normAutofit/>
+          </a:bodyPr>
           <a:lstStyle/>
           <a:p>
             <a:pPr algn="l"/>
             <a:r>
-              <a:rPr lang="en-US" altLang="zh-CN" dirty="0" smtClean="0">
+              <a:rPr lang="en-US" altLang="zh-CN" sz="3600" dirty="0" smtClean="0">
                 <a:latin typeface="微软雅黑 Light" pitchFamily="34" charset="-122"/>
                 <a:ea typeface="微软雅黑 Light" pitchFamily="34" charset="-122"/>
               </a:rPr>
               <a:t>  EVM</a:t>
             </a:r>
             <a:r>
-              <a:rPr lang="zh-CN" altLang="en-US" dirty="0" smtClean="0">
+              <a:rPr lang="zh-CN" altLang="en-US" sz="3600" dirty="0" smtClean="0">
                 <a:latin typeface="微软雅黑 Light" pitchFamily="34" charset="-122"/>
                 <a:ea typeface="微软雅黑 Light" pitchFamily="34" charset="-122"/>
               </a:rPr>
               <a:t>指令集</a:t>
             </a:r>
-            <a:endParaRPr lang="zh-CN" altLang="en-US" dirty="0"/>
+            <a:endParaRPr lang="zh-CN" altLang="en-US" sz="3600" dirty="0"/>
           </a:p>
         </p:txBody>
       </p:sp>
@@ -6394,7 +6450,12 @@
             <p:ph type="title"/>
           </p:nvPr>
         </p:nvSpPr>
-        <p:spPr/>
+        <p:spPr>
+          <a:xfrm>
+            <a:off x="457200" y="485800"/>
+            <a:ext cx="8229600" cy="1143000"/>
+          </a:xfrm>
+        </p:spPr>
         <p:txBody>
           <a:bodyPr>
             <a:normAutofit/>
@@ -6403,24 +6464,24 @@
           <a:p>
             <a:pPr algn="l"/>
             <a:r>
-              <a:rPr lang="zh-CN" altLang="en-US" dirty="0" smtClean="0">
+              <a:rPr lang="zh-CN" altLang="en-US" sz="3600" dirty="0" smtClean="0">
                 <a:latin typeface="微软雅黑 Light" pitchFamily="34" charset="-122"/>
                 <a:ea typeface="微软雅黑 Light" pitchFamily="34" charset="-122"/>
               </a:rPr>
               <a:t>  消息调用（</a:t>
             </a:r>
             <a:r>
-              <a:rPr lang="en-US" altLang="zh-CN" dirty="0"/>
+              <a:rPr lang="en-US" altLang="zh-CN" sz="3600" dirty="0"/>
               <a:t> Message Calls </a:t>
             </a:r>
             <a:r>
-              <a:rPr lang="zh-CN" altLang="en-US" dirty="0" smtClean="0">
+              <a:rPr lang="zh-CN" altLang="en-US" sz="3600" dirty="0" smtClean="0">
                 <a:latin typeface="微软雅黑 Light" pitchFamily="34" charset="-122"/>
                 <a:ea typeface="微软雅黑 Light" pitchFamily="34" charset="-122"/>
               </a:rPr>
               <a:t>）</a:t>
             </a:r>
-            <a:endParaRPr lang="zh-CN" altLang="en-US" dirty="0"/>
+            <a:endParaRPr lang="zh-CN" altLang="en-US" sz="3600" dirty="0"/>
           </a:p>
         </p:txBody>
       </p:sp>
@@ -6598,7 +6659,12 @@
             <p:ph type="title"/>
           </p:nvPr>
         </p:nvSpPr>
-        <p:spPr/>
+        <p:spPr>
+          <a:xfrm>
+            <a:off x="457200" y="485800"/>
+            <a:ext cx="8229600" cy="1143000"/>
+          </a:xfrm>
+        </p:spPr>
         <p:txBody>
           <a:bodyPr>
             <a:normAutofit/>
@@ -6607,24 +6673,24 @@
           <a:p>
             <a:pPr algn="l"/>
             <a:r>
-              <a:rPr lang="zh-CN" altLang="en-US" dirty="0" smtClean="0">
+              <a:rPr lang="zh-CN" altLang="en-US" sz="3600" dirty="0" smtClean="0">
                 <a:latin typeface="微软雅黑 Light" pitchFamily="34" charset="-122"/>
                 <a:ea typeface="微软雅黑 Light" pitchFamily="34" charset="-122"/>
               </a:rPr>
               <a:t>  委托调用（</a:t>
             </a:r>
             <a:r>
-              <a:rPr lang="en-US" altLang="zh-CN" dirty="0" smtClean="0"/>
+              <a:rPr lang="en-US" altLang="zh-CN" sz="3600" dirty="0" smtClean="0"/>
               <a:t>Delegatecall</a:t>
             </a:r>
             <a:r>
-              <a:rPr lang="zh-CN" altLang="en-US" dirty="0" smtClean="0">
+              <a:rPr lang="zh-CN" altLang="en-US" sz="3600" dirty="0" smtClean="0">
                 <a:latin typeface="微软雅黑 Light" pitchFamily="34" charset="-122"/>
                 <a:ea typeface="微软雅黑 Light" pitchFamily="34" charset="-122"/>
               </a:rPr>
               <a:t>）</a:t>
             </a:r>
-            <a:endParaRPr lang="zh-CN" altLang="en-US" dirty="0"/>
+            <a:endParaRPr lang="zh-CN" altLang="en-US" sz="3600" dirty="0"/>
           </a:p>
         </p:txBody>
       </p:sp>
